--- a/Ehterscan을 이용한 배포된 Contract 기능 사용법.pptx
+++ b/Ehterscan을 이용한 배포된 Contract 기능 사용법.pptx
@@ -25924,11 +25924,12 @@
 </file>
 
 <file path=customXml/item1.xml><?xml version="1.0" encoding="utf-8"?>
-<p:properties xmlns:p="http://schemas.microsoft.com/office/2006/metadata/properties" xmlns:xsi="http://www.w3.org/2001/XMLSchema-instance" xmlns:pc="http://schemas.microsoft.com/office/infopath/2007/PartnerControls">
-  <documentManagement>
-    <MediaServiceKeyPoints xmlns="71af3243-3dd4-4a8d-8c0d-dd76da1f02a5" xsi:nil="true"/>
-  </documentManagement>
-</p:properties>
+<?mso-contentType ?>
+<FormTemplates xmlns="http://schemas.microsoft.com/sharepoint/v3/contenttype/forms">
+  <Display>DocumentLibraryForm</Display>
+  <Edit>DocumentLibraryForm</Edit>
+  <New>DocumentLibraryForm</New>
+</FormTemplates>
 </file>
 
 <file path=customXml/item2.xml><?xml version="1.0" encoding="utf-8"?>
@@ -26143,27 +26144,17 @@
 </file>
 
 <file path=customXml/item3.xml><?xml version="1.0" encoding="utf-8"?>
-<?mso-contentType ?>
-<FormTemplates xmlns="http://schemas.microsoft.com/sharepoint/v3/contenttype/forms">
-  <Display>DocumentLibraryForm</Display>
-  <Edit>DocumentLibraryForm</Edit>
-  <New>DocumentLibraryForm</New>
-</FormTemplates>
+<p:properties xmlns:p="http://schemas.microsoft.com/office/2006/metadata/properties" xmlns:xsi="http://www.w3.org/2001/XMLSchema-instance" xmlns:pc="http://schemas.microsoft.com/office/infopath/2007/PartnerControls">
+  <documentManagement>
+    <MediaServiceKeyPoints xmlns="71af3243-3dd4-4a8d-8c0d-dd76da1f02a5" xsi:nil="true"/>
+  </documentManagement>
+</p:properties>
 </file>
 
 <file path=customXml/itemProps1.xml><?xml version="1.0" encoding="utf-8"?>
-<ds:datastoreItem xmlns:ds="http://schemas.openxmlformats.org/officeDocument/2006/customXml" ds:itemID="{788A2F88-55C5-4ED1-9541-807C65424763}">
+<ds:datastoreItem xmlns:ds="http://schemas.openxmlformats.org/officeDocument/2006/customXml" ds:itemID="{4F44C90D-2A62-4985-9618-3460247437B1}">
   <ds:schemaRefs>
-    <ds:schemaRef ds:uri="http://schemas.microsoft.com/office/2006/metadata/properties"/>
-    <ds:schemaRef ds:uri="http://schemas.microsoft.com/office/2006/documentManagement/types"/>
-    <ds:schemaRef ds:uri="http://schemas.microsoft.com/office/infopath/2007/PartnerControls"/>
-    <ds:schemaRef ds:uri="16c05727-aa75-4e4a-9b5f-8a80a1165891"/>
-    <ds:schemaRef ds:uri="http://purl.org/dc/terms/"/>
-    <ds:schemaRef ds:uri="http://purl.org/dc/dcmitype/"/>
-    <ds:schemaRef ds:uri="http://www.w3.org/XML/1998/namespace"/>
-    <ds:schemaRef ds:uri="http://purl.org/dc/elements/1.1/"/>
-    <ds:schemaRef ds:uri="http://schemas.openxmlformats.org/package/2006/metadata/core-properties"/>
-    <ds:schemaRef ds:uri="71af3243-3dd4-4a8d-8c0d-dd76da1f02a5"/>
+    <ds:schemaRef ds:uri="http://schemas.microsoft.com/sharepoint/v3/contenttype/forms"/>
   </ds:schemaRefs>
 </ds:datastoreItem>
 </file>
@@ -26188,9 +26179,18 @@
 </file>
 
 <file path=customXml/itemProps3.xml><?xml version="1.0" encoding="utf-8"?>
-<ds:datastoreItem xmlns:ds="http://schemas.openxmlformats.org/officeDocument/2006/customXml" ds:itemID="{4F44C90D-2A62-4985-9618-3460247437B1}">
+<ds:datastoreItem xmlns:ds="http://schemas.openxmlformats.org/officeDocument/2006/customXml" ds:itemID="{788A2F88-55C5-4ED1-9541-807C65424763}">
   <ds:schemaRefs>
-    <ds:schemaRef ds:uri="http://schemas.microsoft.com/sharepoint/v3/contenttype/forms"/>
+    <ds:schemaRef ds:uri="http://schemas.microsoft.com/office/2006/metadata/properties"/>
+    <ds:schemaRef ds:uri="http://schemas.microsoft.com/office/2006/documentManagement/types"/>
+    <ds:schemaRef ds:uri="http://schemas.microsoft.com/office/infopath/2007/PartnerControls"/>
+    <ds:schemaRef ds:uri="16c05727-aa75-4e4a-9b5f-8a80a1165891"/>
+    <ds:schemaRef ds:uri="http://purl.org/dc/terms/"/>
+    <ds:schemaRef ds:uri="http://purl.org/dc/dcmitype/"/>
+    <ds:schemaRef ds:uri="http://www.w3.org/XML/1998/namespace"/>
+    <ds:schemaRef ds:uri="http://purl.org/dc/elements/1.1/"/>
+    <ds:schemaRef ds:uri="http://schemas.openxmlformats.org/package/2006/metadata/core-properties"/>
+    <ds:schemaRef ds:uri="71af3243-3dd4-4a8d-8c0d-dd76da1f02a5"/>
   </ds:schemaRefs>
 </ds:datastoreItem>
 </file>